--- a/第5章-GDAL开源库及遥感栅格数据处理-8课时-del/第五章-栅格数据处理.pptx
+++ b/第5章-GDAL开源库及遥感栅格数据处理-8课时-del/第五章-栅格数据处理.pptx
@@ -6,10 +6,10 @@
     <p:sldMasterId id="2147484986" r:id="rId2"/>
   </p:sldMasterIdLst>
   <p:notesMasterIdLst>
-    <p:notesMasterId r:id="rId22"/>
+    <p:notesMasterId r:id="rId21"/>
   </p:notesMasterIdLst>
   <p:handoutMasterIdLst>
-    <p:handoutMasterId r:id="rId23"/>
+    <p:handoutMasterId r:id="rId22"/>
   </p:handoutMasterIdLst>
   <p:sldIdLst>
     <p:sldId id="2708" r:id="rId3"/>
@@ -29,13 +29,12 @@
     <p:sldId id="2788" r:id="rId17"/>
     <p:sldId id="2743" r:id="rId18"/>
     <p:sldId id="2780" r:id="rId19"/>
-    <p:sldId id="2786" r:id="rId20"/>
-    <p:sldId id="2787" r:id="rId21"/>
+    <p:sldId id="2787" r:id="rId20"/>
   </p:sldIdLst>
   <p:sldSz cx="9144000" cy="6858000" type="screen4x3"/>
   <p:notesSz cx="7099300" cy="10234613"/>
   <p:custDataLst>
-    <p:tags r:id="rId24"/>
+    <p:tags r:id="rId23"/>
   </p:custDataLst>
   <p:defaultTextStyle>
     <a:defPPr>
@@ -7774,7 +7773,7 @@
               </a14:hiddenFill>
             </a:ext>
             <a:ext uri="{FAA26D3D-D897-4be2-8F04-BA451C77F1D7}">
-              <ma14:placeholderFlag xmlns="" xmlns:ma14="http://schemas.microsoft.com/office/mac/drawingml/2011/main" val="1"/>
+              <ma14:placeholderFlag xmlns:ma14="http://schemas.microsoft.com/office/mac/drawingml/2011/main" xmlns="" val="1"/>
             </a:ext>
           </a:extLst>
         </p:spPr>
@@ -8158,7 +8157,7 @@
               </a14:hiddenLine>
             </a:ext>
             <a:ext uri="{FAA26D3D-D897-4be2-8F04-BA451C77F1D7}">
-              <ma14:placeholderFlag xmlns="" xmlns:ma14="http://schemas.microsoft.com/office/mac/drawingml/2011/main" val="1"/>
+              <ma14:placeholderFlag xmlns:ma14="http://schemas.microsoft.com/office/mac/drawingml/2011/main" xmlns="" val="1"/>
             </a:ext>
           </a:extLst>
         </p:spPr>
@@ -8697,67 +8696,6 @@
 </file>
 
 <file path=ppt/notesSlides/notesSlide18.xml><?xml version="1.0" encoding="utf-8"?>
-<p:notes xmlns:a="http://schemas.openxmlformats.org/drawingml/2006/main" xmlns:r="http://schemas.openxmlformats.org/officeDocument/2006/relationships" xmlns:p="http://schemas.openxmlformats.org/presentationml/2006/main">
-  <p:cSld>
-    <p:spTree>
-      <p:nvGrpSpPr>
-        <p:cNvPr id="1" name=""/>
-        <p:cNvGrpSpPr/>
-        <p:nvPr/>
-      </p:nvGrpSpPr>
-      <p:grpSpPr>
-        <a:xfrm>
-          <a:off x="0" y="0"/>
-          <a:ext cx="0" cy="0"/>
-          <a:chOff x="0" y="0"/>
-          <a:chExt cx="0" cy="0"/>
-        </a:xfrm>
-      </p:grpSpPr>
-      <p:sp>
-        <p:nvSpPr>
-          <p:cNvPr id="2" name="幻灯片图像占位符 1"/>
-          <p:cNvSpPr>
-            <a:spLocks noGrp="1" noRot="1" noChangeAspect="1"/>
-          </p:cNvSpPr>
-          <p:nvPr>
-            <p:ph type="sldImg"/>
-          </p:nvPr>
-        </p:nvSpPr>
-        <p:spPr/>
-      </p:sp>
-      <p:sp>
-        <p:nvSpPr>
-          <p:cNvPr id="3" name="备注占位符 2"/>
-          <p:cNvSpPr>
-            <a:spLocks noGrp="1"/>
-          </p:cNvSpPr>
-          <p:nvPr>
-            <p:ph type="body" idx="1"/>
-          </p:nvPr>
-        </p:nvSpPr>
-        <p:spPr/>
-        <p:txBody>
-          <a:bodyPr/>
-          <a:lstStyle/>
-          <a:p>
-            <a:endParaRPr lang="zh-CN" altLang="en-US" dirty="0"/>
-          </a:p>
-        </p:txBody>
-      </p:sp>
-    </p:spTree>
-    <p:extLst>
-      <p:ext uri="{BB962C8B-B14F-4D97-AF65-F5344CB8AC3E}">
-        <p14:creationId xmlns:p14="http://schemas.microsoft.com/office/powerpoint/2010/main" val="1016052382"/>
-      </p:ext>
-    </p:extLst>
-  </p:cSld>
-  <p:clrMapOvr>
-    <a:masterClrMapping/>
-  </p:clrMapOvr>
-</p:notes>
-</file>
-
-<file path=ppt/notesSlides/notesSlide19.xml><?xml version="1.0" encoding="utf-8"?>
 <p:notes xmlns:a="http://schemas.openxmlformats.org/drawingml/2006/main" xmlns:r="http://schemas.openxmlformats.org/officeDocument/2006/relationships" xmlns:p="http://schemas.openxmlformats.org/presentationml/2006/main">
   <p:cSld>
     <p:spTree>
@@ -11170,7 +11108,7 @@
               </a14:hiddenLine>
             </a:ext>
             <a:ext uri="{FAA26D3D-D897-4be2-8F04-BA451C77F1D7}">
-              <ma14:placeholderFlag xmlns="" xmlns:ma14="http://schemas.microsoft.com/office/mac/drawingml/2011/main" val="1"/>
+              <ma14:placeholderFlag xmlns:ma14="http://schemas.microsoft.com/office/mac/drawingml/2011/main" xmlns="" val="1"/>
             </a:ext>
           </a:extLst>
         </p:spPr>
@@ -14861,7 +14799,7 @@
               </a14:hiddenLine>
             </a:ext>
             <a:ext uri="{FAA26D3D-D897-4be2-8F04-BA451C77F1D7}">
-              <ma14:placeholderFlag xmlns="" xmlns:ma14="http://schemas.microsoft.com/office/mac/drawingml/2011/main" val="1"/>
+              <ma14:placeholderFlag xmlns:ma14="http://schemas.microsoft.com/office/mac/drawingml/2011/main" xmlns="" val="1"/>
             </a:ext>
           </a:extLst>
         </p:spPr>
@@ -29233,793 +29171,6 @@
 </file>
 
 <file path=ppt/slides/slide18.xml><?xml version="1.0" encoding="utf-8"?>
-<p:sld xmlns:a="http://schemas.openxmlformats.org/drawingml/2006/main" xmlns:r="http://schemas.openxmlformats.org/officeDocument/2006/relationships" xmlns:p="http://schemas.openxmlformats.org/presentationml/2006/main">
-  <p:cSld>
-    <p:spTree>
-      <p:nvGrpSpPr>
-        <p:cNvPr id="1" name=""/>
-        <p:cNvGrpSpPr/>
-        <p:nvPr/>
-      </p:nvGrpSpPr>
-      <p:grpSpPr>
-        <a:xfrm>
-          <a:off x="0" y="0"/>
-          <a:ext cx="0" cy="0"/>
-          <a:chOff x="0" y="0"/>
-          <a:chExt cx="0" cy="0"/>
-        </a:xfrm>
-      </p:grpSpPr>
-      <p:sp>
-        <p:nvSpPr>
-          <p:cNvPr id="3" name="标题 2"/>
-          <p:cNvSpPr>
-            <a:spLocks noGrp="1"/>
-          </p:cNvSpPr>
-          <p:nvPr>
-            <p:ph type="title"/>
-          </p:nvPr>
-        </p:nvSpPr>
-        <p:spPr>
-          <a:xfrm>
-            <a:off x="0" y="8526"/>
-            <a:ext cx="9013371" cy="792162"/>
-          </a:xfrm>
-        </p:spPr>
-        <p:txBody>
-          <a:bodyPr/>
-          <a:lstStyle/>
-          <a:p>
-            <a:r>
-              <a:rPr lang="zh-CN" altLang="en-US" dirty="0">
-                <a:latin typeface="微软雅黑" pitchFamily="34" charset="-122"/>
-                <a:ea typeface="微软雅黑" pitchFamily="34" charset="-122"/>
-              </a:rPr>
-              <a:t>五</a:t>
-            </a:r>
-            <a:r>
-              <a:rPr lang="zh-CN" altLang="en-US" sz="3600" b="1" dirty="0">
-                <a:latin typeface="微软雅黑" pitchFamily="34" charset="-122"/>
-                <a:ea typeface="微软雅黑" pitchFamily="34" charset="-122"/>
-              </a:rPr>
-              <a:t>、</a:t>
-            </a:r>
-            <a:r>
-              <a:rPr lang="en-US" altLang="zh-CN" dirty="0" err="1">
-                <a:latin typeface="微软雅黑" pitchFamily="34" charset="-122"/>
-                <a:ea typeface="微软雅黑" pitchFamily="34" charset="-122"/>
-              </a:rPr>
-              <a:t>gdal</a:t>
-            </a:r>
-            <a:r>
-              <a:rPr lang="zh-CN" altLang="en-US" dirty="0">
-                <a:latin typeface="微软雅黑" pitchFamily="34" charset="-122"/>
-                <a:ea typeface="微软雅黑" pitchFamily="34" charset="-122"/>
-              </a:rPr>
-              <a:t>开源库及遥感栅格数据处理</a:t>
-            </a:r>
-            <a:endParaRPr lang="zh-CN" altLang="en-US" dirty="0"/>
-          </a:p>
-        </p:txBody>
-      </p:sp>
-      <p:sp>
-        <p:nvSpPr>
-          <p:cNvPr id="11" name="TextBox 10">
-            <a:extLst>
-              <a:ext uri="{FF2B5EF4-FFF2-40B4-BE49-F238E27FC236}">
-                <a16:creationId xmlns:a16="http://schemas.microsoft.com/office/drawing/2014/main" id="{53A7E693-8098-76C4-CD5D-47166ABEB164}"/>
-              </a:ext>
-            </a:extLst>
-          </p:cNvPr>
-          <p:cNvSpPr txBox="1"/>
-          <p:nvPr/>
-        </p:nvSpPr>
-        <p:spPr>
-          <a:xfrm>
-            <a:off x="254000" y="676570"/>
-            <a:ext cx="4737819" cy="743986"/>
-          </a:xfrm>
-          <a:prstGeom prst="rect">
-            <a:avLst/>
-          </a:prstGeom>
-          <a:noFill/>
-        </p:spPr>
-        <p:txBody>
-          <a:bodyPr wrap="square" rtlCol="0">
-            <a:spAutoFit/>
-          </a:bodyPr>
-          <a:lstStyle/>
-          <a:p>
-            <a:pPr algn="just">
-              <a:lnSpc>
-                <a:spcPct val="150000"/>
-              </a:lnSpc>
-            </a:pPr>
-            <a:r>
-              <a:rPr lang="zh-CN" altLang="en-US" sz="3200" b="1" dirty="0">
-                <a:solidFill>
-                  <a:schemeClr val="tx1">
-                    <a:lumMod val="85000"/>
-                  </a:schemeClr>
-                </a:solidFill>
-                <a:latin typeface="+mn-ea"/>
-                <a:ea typeface="+mn-ea"/>
-              </a:rPr>
-              <a:t>第四次选做作业</a:t>
-            </a:r>
-            <a:endParaRPr lang="en-US" altLang="zh-CN" sz="3200" b="1" dirty="0">
-              <a:solidFill>
-                <a:schemeClr val="tx1">
-                  <a:lumMod val="85000"/>
-                </a:schemeClr>
-              </a:solidFill>
-              <a:latin typeface="+mn-ea"/>
-              <a:ea typeface="+mn-ea"/>
-            </a:endParaRPr>
-          </a:p>
-        </p:txBody>
-      </p:sp>
-      <p:sp>
-        <p:nvSpPr>
-          <p:cNvPr id="13" name="TextBox 12">
-            <a:extLst>
-              <a:ext uri="{FF2B5EF4-FFF2-40B4-BE49-F238E27FC236}">
-                <a16:creationId xmlns:a16="http://schemas.microsoft.com/office/drawing/2014/main" id="{303BC878-BC57-D350-27A3-F03AE48213AC}"/>
-              </a:ext>
-            </a:extLst>
-          </p:cNvPr>
-          <p:cNvSpPr txBox="1"/>
-          <p:nvPr/>
-        </p:nvSpPr>
-        <p:spPr>
-          <a:xfrm>
-            <a:off x="130629" y="1881845"/>
-            <a:ext cx="8882741" cy="4985980"/>
-          </a:xfrm>
-          <a:prstGeom prst="rect">
-            <a:avLst/>
-          </a:prstGeom>
-          <a:noFill/>
-        </p:spPr>
-        <p:txBody>
-          <a:bodyPr wrap="square">
-            <a:spAutoFit/>
-          </a:bodyPr>
-          <a:lstStyle/>
-          <a:p>
-            <a:pPr algn="just"/>
-            <a:r>
-              <a:rPr lang="zh-CN" altLang="en-US" b="1" dirty="0">
-                <a:solidFill>
-                  <a:schemeClr val="tx1">
-                    <a:lumMod val="85000"/>
-                  </a:schemeClr>
-                </a:solidFill>
-                <a:latin typeface="+mn-ea"/>
-                <a:ea typeface="+mn-ea"/>
-              </a:rPr>
-              <a:t>作业数据</a:t>
-            </a:r>
-            <a:r>
-              <a:rPr lang="zh-CN" altLang="en-US" sz="2200" b="1" dirty="0">
-                <a:solidFill>
-                  <a:schemeClr val="tx1">
-                    <a:lumMod val="85000"/>
-                  </a:schemeClr>
-                </a:solidFill>
-                <a:latin typeface="+mn-ea"/>
-                <a:ea typeface="+mn-ea"/>
-              </a:rPr>
-              <a:t>：</a:t>
-            </a:r>
-            <a:r>
-              <a:rPr lang="zh-CN" altLang="en-US" sz="2000" b="1" dirty="0">
-                <a:solidFill>
-                  <a:schemeClr val="tx1">
-                    <a:lumMod val="85000"/>
-                  </a:schemeClr>
-                </a:solidFill>
-                <a:latin typeface="+mn-ea"/>
-                <a:ea typeface="+mn-ea"/>
-              </a:rPr>
-              <a:t>任选两幅不同遥感栅格影像</a:t>
-            </a:r>
-            <a:endParaRPr lang="en-US" altLang="zh-CN" sz="2200" dirty="0">
-              <a:solidFill>
-                <a:schemeClr val="tx1">
-                  <a:lumMod val="85000"/>
-                </a:schemeClr>
-              </a:solidFill>
-              <a:latin typeface="+mn-ea"/>
-              <a:ea typeface="+mn-ea"/>
-            </a:endParaRPr>
-          </a:p>
-          <a:p>
-            <a:pPr algn="just"/>
-            <a:r>
-              <a:rPr lang="zh-CN" altLang="en-US" b="1" dirty="0">
-                <a:solidFill>
-                  <a:schemeClr val="tx1">
-                    <a:lumMod val="85000"/>
-                  </a:schemeClr>
-                </a:solidFill>
-                <a:latin typeface="+mn-ea"/>
-                <a:ea typeface="+mn-ea"/>
-              </a:rPr>
-              <a:t>作业内容：</a:t>
-            </a:r>
-            <a:endParaRPr lang="en-US" altLang="zh-CN" b="1" dirty="0">
-              <a:solidFill>
-                <a:schemeClr val="tx1">
-                  <a:lumMod val="85000"/>
-                </a:schemeClr>
-              </a:solidFill>
-              <a:latin typeface="+mn-ea"/>
-              <a:ea typeface="+mn-ea"/>
-            </a:endParaRPr>
-          </a:p>
-          <a:p>
-            <a:pPr algn="just"/>
-            <a:r>
-              <a:rPr lang="en-US" altLang="zh-CN" sz="2000" dirty="0">
-                <a:solidFill>
-                  <a:schemeClr val="tx1">
-                    <a:lumMod val="85000"/>
-                  </a:schemeClr>
-                </a:solidFill>
-                <a:latin typeface="+mn-ea"/>
-                <a:ea typeface="+mn-ea"/>
-              </a:rPr>
-              <a:t>1</a:t>
-            </a:r>
-            <a:r>
-              <a:rPr lang="zh-CN" altLang="en-US" sz="2000" dirty="0">
-                <a:solidFill>
-                  <a:schemeClr val="tx1">
-                    <a:lumMod val="85000"/>
-                  </a:schemeClr>
-                </a:solidFill>
-                <a:latin typeface="+mn-ea"/>
-                <a:ea typeface="+mn-ea"/>
-              </a:rPr>
-              <a:t>）设计栅格影像数据拼接函数，满足不同空间分辨率、不同投影栅格影像拼接。</a:t>
-            </a:r>
-            <a:endParaRPr lang="en-US" altLang="zh-CN" sz="2000" dirty="0">
-              <a:solidFill>
-                <a:schemeClr val="tx1">
-                  <a:lumMod val="85000"/>
-                </a:schemeClr>
-              </a:solidFill>
-              <a:latin typeface="+mn-ea"/>
-              <a:ea typeface="+mn-ea"/>
-            </a:endParaRPr>
-          </a:p>
-          <a:p>
-            <a:pPr algn="just"/>
-            <a:r>
-              <a:rPr lang="en-US" altLang="zh-CN" sz="2000" dirty="0">
-                <a:solidFill>
-                  <a:schemeClr val="tx1">
-                    <a:lumMod val="85000"/>
-                  </a:schemeClr>
-                </a:solidFill>
-                <a:latin typeface="+mn-ea"/>
-                <a:ea typeface="+mn-ea"/>
-              </a:rPr>
-              <a:t>2</a:t>
-            </a:r>
-            <a:r>
-              <a:rPr lang="zh-CN" altLang="en-US" sz="2000" dirty="0">
-                <a:solidFill>
-                  <a:schemeClr val="tx1">
-                    <a:lumMod val="85000"/>
-                  </a:schemeClr>
-                </a:solidFill>
-                <a:latin typeface="+mn-ea"/>
-                <a:ea typeface="+mn-ea"/>
-              </a:rPr>
-              <a:t>）每行代码需进行注释，且需对函数使用进行演示说明（建议以</a:t>
-            </a:r>
-            <a:r>
-              <a:rPr lang="en-US" altLang="zh-CN" sz="2000" dirty="0">
-                <a:solidFill>
-                  <a:schemeClr val="tx1">
-                    <a:lumMod val="85000"/>
-                  </a:schemeClr>
-                </a:solidFill>
-                <a:latin typeface="+mn-ea"/>
-                <a:ea typeface="+mn-ea"/>
-              </a:rPr>
-              <a:t>landsat-8</a:t>
-            </a:r>
-            <a:r>
-              <a:rPr lang="zh-CN" altLang="en-US" sz="2000" dirty="0">
-                <a:solidFill>
-                  <a:schemeClr val="tx1">
-                    <a:lumMod val="85000"/>
-                  </a:schemeClr>
-                </a:solidFill>
-                <a:latin typeface="+mn-ea"/>
-                <a:ea typeface="+mn-ea"/>
-              </a:rPr>
-              <a:t>与</a:t>
-            </a:r>
-            <a:r>
-              <a:rPr lang="en-US" altLang="zh-CN" sz="2000" dirty="0">
-                <a:solidFill>
-                  <a:schemeClr val="tx1">
-                    <a:lumMod val="85000"/>
-                  </a:schemeClr>
-                </a:solidFill>
-                <a:latin typeface="+mn-ea"/>
-                <a:ea typeface="+mn-ea"/>
-              </a:rPr>
-              <a:t>sentinel-2 4</a:t>
-            </a:r>
-            <a:r>
-              <a:rPr lang="zh-CN" altLang="en-US" sz="2000" dirty="0">
-                <a:solidFill>
-                  <a:schemeClr val="tx1">
-                    <a:lumMod val="85000"/>
-                  </a:schemeClr>
-                </a:solidFill>
-                <a:latin typeface="+mn-ea"/>
-                <a:ea typeface="+mn-ea"/>
-              </a:rPr>
-              <a:t>波段影像拼接示例）。</a:t>
-            </a:r>
-            <a:r>
-              <a:rPr lang="zh-CN" altLang="en-US" sz="2000" u="sng" dirty="0">
-                <a:solidFill>
-                  <a:schemeClr val="tx1">
-                    <a:lumMod val="85000"/>
-                  </a:schemeClr>
-                </a:solidFill>
-                <a:latin typeface="+mn-ea"/>
-                <a:ea typeface="+mn-ea"/>
-              </a:rPr>
-              <a:t>不能使用</a:t>
-            </a:r>
-            <a:r>
-              <a:rPr lang="en-US" altLang="zh-CN" sz="2000" u="sng" dirty="0" err="1">
-                <a:solidFill>
-                  <a:schemeClr val="tx1">
-                    <a:lumMod val="85000"/>
-                  </a:schemeClr>
-                </a:solidFill>
-                <a:latin typeface="+mn-ea"/>
-                <a:ea typeface="+mn-ea"/>
-              </a:rPr>
-              <a:t>gdal</a:t>
-            </a:r>
-            <a:r>
-              <a:rPr lang="zh-CN" altLang="en-US" sz="2000" u="sng" dirty="0">
-                <a:solidFill>
-                  <a:schemeClr val="tx1">
-                    <a:lumMod val="85000"/>
-                  </a:schemeClr>
-                </a:solidFill>
-                <a:latin typeface="+mn-ea"/>
-                <a:ea typeface="+mn-ea"/>
-              </a:rPr>
-              <a:t>快捷函数或命令行工具</a:t>
-            </a:r>
-            <a:r>
-              <a:rPr lang="zh-CN" altLang="en-US" sz="2000" dirty="0">
-                <a:solidFill>
-                  <a:schemeClr val="tx1">
-                    <a:lumMod val="85000"/>
-                  </a:schemeClr>
-                </a:solidFill>
-                <a:latin typeface="+mn-ea"/>
-                <a:ea typeface="+mn-ea"/>
-              </a:rPr>
-              <a:t>。</a:t>
-            </a:r>
-            <a:endParaRPr lang="en-US" altLang="zh-CN" sz="2000" dirty="0">
-              <a:solidFill>
-                <a:schemeClr val="tx1">
-                  <a:lumMod val="85000"/>
-                </a:schemeClr>
-              </a:solidFill>
-              <a:latin typeface="+mn-ea"/>
-              <a:ea typeface="+mn-ea"/>
-            </a:endParaRPr>
-          </a:p>
-          <a:p>
-            <a:pPr algn="just"/>
-            <a:r>
-              <a:rPr lang="en-US" altLang="zh-CN" sz="2000" dirty="0">
-                <a:solidFill>
-                  <a:schemeClr val="tx1">
-                    <a:lumMod val="85000"/>
-                  </a:schemeClr>
-                </a:solidFill>
-                <a:latin typeface="+mn-ea"/>
-                <a:ea typeface="+mn-ea"/>
-              </a:rPr>
-              <a:t>3</a:t>
-            </a:r>
-            <a:r>
-              <a:rPr lang="zh-CN" altLang="en-US" sz="2000" dirty="0">
-                <a:solidFill>
-                  <a:schemeClr val="tx1">
-                    <a:lumMod val="85000"/>
-                  </a:schemeClr>
-                </a:solidFill>
-                <a:latin typeface="+mn-ea"/>
-                <a:ea typeface="+mn-ea"/>
-              </a:rPr>
-              <a:t>）总结遇到问题解决问题的</a:t>
-            </a:r>
-            <a:r>
-              <a:rPr lang="zh-CN" altLang="en-US" sz="2000">
-                <a:solidFill>
-                  <a:schemeClr val="tx1">
-                    <a:lumMod val="85000"/>
-                  </a:schemeClr>
-                </a:solidFill>
-                <a:latin typeface="+mn-ea"/>
-                <a:ea typeface="+mn-ea"/>
-              </a:rPr>
-              <a:t>过程与体会。</a:t>
-            </a:r>
-            <a:endParaRPr lang="en-US" altLang="zh-CN" sz="2000" dirty="0">
-              <a:solidFill>
-                <a:schemeClr val="tx1">
-                  <a:lumMod val="85000"/>
-                </a:schemeClr>
-              </a:solidFill>
-              <a:latin typeface="+mn-ea"/>
-              <a:ea typeface="+mn-ea"/>
-            </a:endParaRPr>
-          </a:p>
-          <a:p>
-            <a:pPr algn="just"/>
-            <a:r>
-              <a:rPr lang="zh-CN" altLang="en-US" b="1" dirty="0">
-                <a:solidFill>
-                  <a:schemeClr val="tx1">
-                    <a:lumMod val="85000"/>
-                  </a:schemeClr>
-                </a:solidFill>
-                <a:latin typeface="+mn-ea"/>
-                <a:ea typeface="+mn-ea"/>
-              </a:rPr>
-              <a:t>作业提交：</a:t>
-            </a:r>
-            <a:r>
-              <a:rPr lang="zh-CN" altLang="en-US" sz="2000" dirty="0">
-                <a:solidFill>
-                  <a:schemeClr val="tx1">
-                    <a:lumMod val="85000"/>
-                  </a:schemeClr>
-                </a:solidFill>
-                <a:latin typeface="+mn-ea"/>
-                <a:ea typeface="+mn-ea"/>
-              </a:rPr>
-              <a:t>实验文档，以</a:t>
-            </a:r>
-            <a:r>
-              <a:rPr lang="en-US" altLang="zh-CN" sz="2000" b="1" u="sng" dirty="0">
-                <a:solidFill>
-                  <a:schemeClr val="tx1">
-                    <a:lumMod val="85000"/>
-                  </a:schemeClr>
-                </a:solidFill>
-                <a:latin typeface="+mn-ea"/>
-                <a:ea typeface="+mn-ea"/>
-              </a:rPr>
-              <a:t>markdown</a:t>
-            </a:r>
-            <a:r>
-              <a:rPr lang="zh-CN" altLang="en-US" sz="2000" b="1" u="sng" dirty="0">
-                <a:solidFill>
-                  <a:schemeClr val="tx1">
-                    <a:lumMod val="85000"/>
-                  </a:schemeClr>
-                </a:solidFill>
-                <a:latin typeface="+mn-ea"/>
-                <a:ea typeface="+mn-ea"/>
-              </a:rPr>
-              <a:t>格式</a:t>
-            </a:r>
-            <a:r>
-              <a:rPr lang="zh-CN" altLang="en-US" sz="2000" dirty="0">
-                <a:solidFill>
-                  <a:schemeClr val="tx1">
-                    <a:lumMod val="85000"/>
-                  </a:schemeClr>
-                </a:solidFill>
-                <a:latin typeface="+mn-ea"/>
-                <a:ea typeface="+mn-ea"/>
-              </a:rPr>
-              <a:t>提交，要求格式规范、内容准确且实验细节充分。作业文件大小总结不超过</a:t>
-            </a:r>
-            <a:r>
-              <a:rPr lang="en-US" altLang="zh-CN" sz="2000" dirty="0">
-                <a:solidFill>
-                  <a:schemeClr val="tx1">
-                    <a:lumMod val="85000"/>
-                  </a:schemeClr>
-                </a:solidFill>
-                <a:latin typeface="+mn-ea"/>
-                <a:ea typeface="+mn-ea"/>
-              </a:rPr>
-              <a:t>1M</a:t>
-            </a:r>
-            <a:r>
-              <a:rPr lang="zh-CN" altLang="en-US" sz="2000" dirty="0">
-                <a:solidFill>
-                  <a:schemeClr val="tx1">
-                    <a:lumMod val="85000"/>
-                  </a:schemeClr>
-                </a:solidFill>
-                <a:latin typeface="+mn-ea"/>
-                <a:ea typeface="+mn-ea"/>
-              </a:rPr>
-              <a:t>。</a:t>
-            </a:r>
-            <a:endParaRPr lang="en-US" altLang="zh-CN" sz="2000" dirty="0">
-              <a:solidFill>
-                <a:schemeClr val="tx1">
-                  <a:lumMod val="85000"/>
-                </a:schemeClr>
-              </a:solidFill>
-              <a:latin typeface="+mn-ea"/>
-              <a:ea typeface="+mn-ea"/>
-            </a:endParaRPr>
-          </a:p>
-          <a:p>
-            <a:pPr algn="just"/>
-            <a:r>
-              <a:rPr lang="zh-CN" altLang="en-US" b="1" dirty="0">
-                <a:solidFill>
-                  <a:schemeClr val="tx1">
-                    <a:lumMod val="85000"/>
-                  </a:schemeClr>
-                </a:solidFill>
-                <a:latin typeface="+mn-ea"/>
-                <a:ea typeface="+mn-ea"/>
-              </a:rPr>
-              <a:t>难度</a:t>
-            </a:r>
-            <a:r>
-              <a:rPr lang="zh-CN" altLang="en-US" dirty="0">
-                <a:solidFill>
-                  <a:schemeClr val="tx1">
-                    <a:lumMod val="85000"/>
-                  </a:schemeClr>
-                </a:solidFill>
-                <a:latin typeface="+mn-ea"/>
-                <a:ea typeface="+mn-ea"/>
-              </a:rPr>
-              <a:t>：</a:t>
-            </a:r>
-            <a:r>
-              <a:rPr lang="en-US" altLang="zh-CN" sz="2000" b="1" dirty="0">
-                <a:solidFill>
-                  <a:schemeClr val="tx1">
-                    <a:lumMod val="85000"/>
-                  </a:schemeClr>
-                </a:solidFill>
-                <a:latin typeface="+mn-ea"/>
-                <a:ea typeface="+mn-ea"/>
-              </a:rPr>
-              <a:t>3</a:t>
-            </a:r>
-            <a:r>
-              <a:rPr lang="zh-CN" altLang="en-US" sz="2000" b="1" dirty="0">
-                <a:solidFill>
-                  <a:schemeClr val="tx1">
-                    <a:lumMod val="85000"/>
-                  </a:schemeClr>
-                </a:solidFill>
-                <a:latin typeface="+mn-ea"/>
-                <a:ea typeface="+mn-ea"/>
-              </a:rPr>
-              <a:t>星</a:t>
-            </a:r>
-            <a:endParaRPr lang="en-US" altLang="zh-CN" sz="2000" b="1" dirty="0">
-              <a:solidFill>
-                <a:schemeClr val="tx1">
-                  <a:lumMod val="85000"/>
-                </a:schemeClr>
-              </a:solidFill>
-              <a:latin typeface="+mn-ea"/>
-              <a:ea typeface="+mn-ea"/>
-            </a:endParaRPr>
-          </a:p>
-          <a:p>
-            <a:pPr algn="just"/>
-            <a:r>
-              <a:rPr lang="zh-CN" altLang="en-US" b="1" dirty="0">
-                <a:solidFill>
-                  <a:schemeClr val="tx1">
-                    <a:lumMod val="85000"/>
-                  </a:schemeClr>
-                </a:solidFill>
-                <a:latin typeface="+mn-ea"/>
-                <a:ea typeface="+mn-ea"/>
-              </a:rPr>
-              <a:t>截止日期：</a:t>
-            </a:r>
-            <a:r>
-              <a:rPr lang="en-US" altLang="zh-CN" sz="2000" b="1" u="sng" dirty="0">
-                <a:solidFill>
-                  <a:schemeClr val="tx1">
-                    <a:lumMod val="85000"/>
-                  </a:schemeClr>
-                </a:solidFill>
-                <a:latin typeface="+mn-ea"/>
-                <a:ea typeface="+mn-ea"/>
-              </a:rPr>
-              <a:t>2024</a:t>
-            </a:r>
-            <a:r>
-              <a:rPr lang="zh-CN" altLang="en-US" sz="2000" b="1" u="sng" dirty="0">
-                <a:solidFill>
-                  <a:schemeClr val="tx1">
-                    <a:lumMod val="85000"/>
-                  </a:schemeClr>
-                </a:solidFill>
-                <a:latin typeface="+mn-ea"/>
-                <a:ea typeface="+mn-ea"/>
-              </a:rPr>
-              <a:t>年</a:t>
-            </a:r>
-            <a:r>
-              <a:rPr lang="en-US" altLang="zh-CN" sz="2000" b="1" u="sng" dirty="0">
-                <a:solidFill>
-                  <a:schemeClr val="tx1">
-                    <a:lumMod val="85000"/>
-                  </a:schemeClr>
-                </a:solidFill>
-                <a:latin typeface="+mn-ea"/>
-                <a:ea typeface="+mn-ea"/>
-              </a:rPr>
-              <a:t>11</a:t>
-            </a:r>
-            <a:r>
-              <a:rPr lang="zh-CN" altLang="en-US" sz="2000" b="1" u="sng" dirty="0">
-                <a:solidFill>
-                  <a:schemeClr val="tx1">
-                    <a:lumMod val="85000"/>
-                  </a:schemeClr>
-                </a:solidFill>
-                <a:latin typeface="+mn-ea"/>
-                <a:ea typeface="+mn-ea"/>
-              </a:rPr>
-              <a:t>月</a:t>
-            </a:r>
-            <a:r>
-              <a:rPr lang="en-US" altLang="zh-CN" sz="2000" b="1" u="sng" dirty="0">
-                <a:solidFill>
-                  <a:schemeClr val="tx1">
-                    <a:lumMod val="85000"/>
-                  </a:schemeClr>
-                </a:solidFill>
-                <a:latin typeface="+mn-ea"/>
-                <a:ea typeface="+mn-ea"/>
-              </a:rPr>
-              <a:t>30</a:t>
-            </a:r>
-            <a:r>
-              <a:rPr lang="zh-CN" altLang="en-US" sz="2000" b="1" u="sng" dirty="0">
-                <a:solidFill>
-                  <a:schemeClr val="tx1">
-                    <a:lumMod val="85000"/>
-                  </a:schemeClr>
-                </a:solidFill>
-                <a:latin typeface="+mn-ea"/>
-                <a:ea typeface="+mn-ea"/>
-              </a:rPr>
-              <a:t>日</a:t>
-            </a:r>
-            <a:endParaRPr lang="en-US" altLang="zh-CN" sz="2200" b="1" u="sng" dirty="0">
-              <a:solidFill>
-                <a:schemeClr val="tx1">
-                  <a:lumMod val="85000"/>
-                </a:schemeClr>
-              </a:solidFill>
-              <a:latin typeface="+mn-ea"/>
-              <a:ea typeface="+mn-ea"/>
-            </a:endParaRPr>
-          </a:p>
-        </p:txBody>
-      </p:sp>
-      <p:sp>
-        <p:nvSpPr>
-          <p:cNvPr id="4" name="文本框 3">
-            <a:extLst>
-              <a:ext uri="{FF2B5EF4-FFF2-40B4-BE49-F238E27FC236}">
-                <a16:creationId xmlns:a16="http://schemas.microsoft.com/office/drawing/2014/main" id="{F17BA0C2-A265-EE38-7F87-B0E3E08CDBEB}"/>
-              </a:ext>
-            </a:extLst>
-          </p:cNvPr>
-          <p:cNvSpPr txBox="1"/>
-          <p:nvPr/>
-        </p:nvSpPr>
-        <p:spPr>
-          <a:xfrm>
-            <a:off x="414552" y="1355931"/>
-            <a:ext cx="8314891" cy="523220"/>
-          </a:xfrm>
-          <a:prstGeom prst="rect">
-            <a:avLst/>
-          </a:prstGeom>
-          <a:noFill/>
-        </p:spPr>
-        <p:txBody>
-          <a:bodyPr wrap="square">
-            <a:spAutoFit/>
-          </a:bodyPr>
-          <a:lstStyle/>
-          <a:p>
-            <a:r>
-              <a:rPr lang="zh-CN" altLang="en-US" sz="2800" b="1" u="sng" dirty="0">
-                <a:solidFill>
-                  <a:schemeClr val="tx1">
-                    <a:lumMod val="85000"/>
-                  </a:schemeClr>
-                </a:solidFill>
-                <a:latin typeface="+mn-ea"/>
-                <a:ea typeface="+mn-ea"/>
-              </a:rPr>
-              <a:t>题目：</a:t>
-            </a:r>
-            <a:r>
-              <a:rPr lang="en-US" altLang="zh-CN" sz="2800" b="1" u="sng" dirty="0" err="1">
-                <a:solidFill>
-                  <a:schemeClr val="tx1">
-                    <a:lumMod val="85000"/>
-                  </a:schemeClr>
-                </a:solidFill>
-                <a:latin typeface="+mn-ea"/>
-                <a:ea typeface="+mn-ea"/>
-              </a:rPr>
-              <a:t>gdal</a:t>
-            </a:r>
-            <a:r>
-              <a:rPr lang="zh-CN" altLang="en-US" sz="2800" b="1" u="sng" dirty="0">
-                <a:solidFill>
-                  <a:schemeClr val="tx1">
-                    <a:lumMod val="85000"/>
-                  </a:schemeClr>
-                </a:solidFill>
-                <a:latin typeface="+mn-ea"/>
-                <a:ea typeface="+mn-ea"/>
-              </a:rPr>
-              <a:t>开源库栅格数据拼接</a:t>
-            </a:r>
-            <a:endParaRPr lang="en-US" altLang="zh-CN" sz="2800" b="1" u="sng" dirty="0">
-              <a:solidFill>
-                <a:schemeClr val="tx1">
-                  <a:lumMod val="85000"/>
-                </a:schemeClr>
-              </a:solidFill>
-              <a:latin typeface="+mn-ea"/>
-              <a:ea typeface="+mn-ea"/>
-            </a:endParaRPr>
-          </a:p>
-        </p:txBody>
-      </p:sp>
-    </p:spTree>
-    <p:extLst>
-      <p:ext uri="{BB962C8B-B14F-4D97-AF65-F5344CB8AC3E}">
-        <p14:creationId xmlns:p14="http://schemas.microsoft.com/office/powerpoint/2010/main" val="940880124"/>
-      </p:ext>
-    </p:extLst>
-  </p:cSld>
-  <p:clrMapOvr>
-    <a:masterClrMapping/>
-  </p:clrMapOvr>
-  <p:transition>
-    <p:fade/>
-  </p:transition>
-</p:sld>
-</file>
-
-<file path=ppt/slides/slide19.xml><?xml version="1.0" encoding="utf-8"?>
 <p:sld xmlns:a="http://schemas.openxmlformats.org/drawingml/2006/main" xmlns:r="http://schemas.openxmlformats.org/officeDocument/2006/relationships" xmlns:p="http://schemas.openxmlformats.org/presentationml/2006/main">
   <p:cSld>
     <p:spTree>
